--- a/스프링 시큐리티.pptx
+++ b/스프링 시큐리티.pptx
@@ -2327,7 +2327,7 @@
               </a:lnSpc>
             </a:pPr>
             <a:r>
-              <a:rPr lang="ko-KR" altLang="en-US" sz="2400" dirty="0">
+              <a:rPr lang="en-US" altLang="ko-KR" sz="2400" dirty="0">
                 <a:solidFill>
                   <a:schemeClr val="accent1">
                     <a:lumMod val="75000"/>
@@ -2335,16 +2335,8 @@
                 </a:solidFill>
                 <a:latin typeface="+mn-ea"/>
               </a:rPr>
-              <a:t>작성일자</a:t>
+              <a:t>22.04.08</a:t>
             </a:r>
-            <a:endParaRPr lang="en-US" altLang="ko-KR" sz="2400" dirty="0">
-              <a:solidFill>
-                <a:schemeClr val="accent1">
-                  <a:lumMod val="75000"/>
-                </a:schemeClr>
-              </a:solidFill>
-              <a:latin typeface="+mn-ea"/>
-            </a:endParaRPr>
           </a:p>
         </p:txBody>
       </p:sp>
@@ -6861,6 +6853,60 @@
               <a:rPr lang="ko-KR" altLang="en-US" sz="1000" dirty="0"/>
               <a:t>인증 핵심 로직</a:t>
             </a:r>
+          </a:p>
+        </p:txBody>
+      </p:sp>
+      <p:sp>
+        <p:nvSpPr>
+          <p:cNvPr id="7" name="직사각형 6">
+            <a:extLst>
+              <a:ext uri="{FF2B5EF4-FFF2-40B4-BE49-F238E27FC236}">
+                <a16:creationId xmlns:a16="http://schemas.microsoft.com/office/drawing/2014/main" id="{135C4582-AFB9-4AF4-B7B6-3828E9E84DE2}"/>
+              </a:ext>
+            </a:extLst>
+          </p:cNvPr>
+          <p:cNvSpPr/>
+          <p:nvPr/>
+        </p:nvSpPr>
+        <p:spPr>
+          <a:xfrm>
+            <a:off x="6699504" y="2938272"/>
+            <a:ext cx="1944624" cy="2406485"/>
+          </a:xfrm>
+          <a:prstGeom prst="rect">
+            <a:avLst/>
+          </a:prstGeom>
+          <a:solidFill>
+            <a:schemeClr val="bg1"/>
+          </a:solidFill>
+          <a:ln>
+            <a:solidFill>
+              <a:schemeClr val="bg1"/>
+            </a:solidFill>
+          </a:ln>
+        </p:spPr>
+        <p:style>
+          <a:lnRef idx="2">
+            <a:schemeClr val="accent1">
+              <a:shade val="50000"/>
+            </a:schemeClr>
+          </a:lnRef>
+          <a:fillRef idx="1">
+            <a:schemeClr val="accent1"/>
+          </a:fillRef>
+          <a:effectRef idx="0">
+            <a:schemeClr val="accent1"/>
+          </a:effectRef>
+          <a:fontRef idx="minor">
+            <a:schemeClr val="lt1"/>
+          </a:fontRef>
+        </p:style>
+        <p:txBody>
+          <a:bodyPr rtlCol="0" anchor="ctr"/>
+          <a:lstStyle/>
+          <a:p>
+            <a:pPr algn="ctr"/>
+            <a:endParaRPr lang="ko-KR" altLang="en-US"/>
           </a:p>
         </p:txBody>
       </p:sp>

--- a/스프링 시큐리티.pptx
+++ b/스프링 시큐리티.pptx
@@ -229,7 +229,7 @@
             <a:fld id="{1DF3F4A2-0E57-4C17-80C9-0DADF022DFF7}" type="datetimeFigureOut">
               <a:rPr lang="ko-KR" altLang="en-US" smtClean="0"/>
               <a:pPr/>
-              <a:t>2022-04-08</a:t>
+              <a:t>2022-04-10</a:t>
             </a:fld>
             <a:endParaRPr lang="ko-KR" altLang="en-US"/>
           </a:p>
@@ -628,7 +628,7 @@
           <a:p>
             <a:fld id="{67524C88-55D3-4BDF-8EA6-671B88E3458B}" type="datetime1">
               <a:rPr lang="ko-KR" altLang="en-US" smtClean="0"/>
-              <a:t>2022-04-08</a:t>
+              <a:t>2022-04-10</a:t>
             </a:fld>
             <a:endParaRPr lang="ko-KR" altLang="en-US"/>
           </a:p>
@@ -724,7 +724,7 @@
           <a:p>
             <a:fld id="{07EEF2E2-9D0A-4494-BB0D-603E77C79F91}" type="datetime1">
               <a:rPr lang="ko-KR" altLang="en-US" smtClean="0"/>
-              <a:t>2022-04-08</a:t>
+              <a:t>2022-04-10</a:t>
             </a:fld>
             <a:endParaRPr lang="ko-KR" altLang="en-US"/>
           </a:p>
@@ -868,7 +868,7 @@
           <a:p>
             <a:fld id="{A4F3F21B-DFA0-4D48-BE1A-ADBF6BAE97F9}" type="datetime1">
               <a:rPr lang="ko-KR" altLang="en-US" smtClean="0"/>
-              <a:t>2022-04-08</a:t>
+              <a:t>2022-04-10</a:t>
             </a:fld>
             <a:endParaRPr lang="ko-KR" altLang="en-US"/>
           </a:p>
@@ -1228,7 +1228,7 @@
           <a:p>
             <a:fld id="{36AFC085-6523-4F50-ADD6-C952023DDF3A}" type="datetime1">
               <a:rPr lang="ko-KR" altLang="en-US" smtClean="0"/>
-              <a:t>2022-04-08</a:t>
+              <a:t>2022-04-10</a:t>
             </a:fld>
             <a:endParaRPr lang="ko-KR" altLang="en-US"/>
           </a:p>
@@ -1436,7 +1436,7 @@
           <a:p>
             <a:fld id="{30DF7938-C556-41E7-B76E-783E7A0ECE4C}" type="datetime1">
               <a:rPr lang="ko-KR" altLang="en-US" smtClean="0"/>
-              <a:t>2022-04-08</a:t>
+              <a:t>2022-04-10</a:t>
             </a:fld>
             <a:endParaRPr lang="ko-KR" altLang="en-US"/>
           </a:p>
@@ -1610,7 +1610,7 @@
           <a:p>
             <a:fld id="{1AD701CD-40E2-4753-8BCF-5831B17AADF1}" type="datetime1">
               <a:rPr lang="ko-KR" altLang="en-US" smtClean="0"/>
-              <a:t>2022-04-08</a:t>
+              <a:t>2022-04-10</a:t>
             </a:fld>
             <a:endParaRPr lang="ko-KR" altLang="en-US"/>
           </a:p>
@@ -1824,7 +1824,7 @@
           <a:p>
             <a:fld id="{359E1633-C8A7-401F-9431-5FF96D45B55E}" type="datetime1">
               <a:rPr lang="ko-KR" altLang="en-US" smtClean="0"/>
-              <a:t>2022-04-08</a:t>
+              <a:t>2022-04-10</a:t>
             </a:fld>
             <a:endParaRPr lang="ko-KR" altLang="en-US"/>
           </a:p>
@@ -10033,6 +10033,66 @@
           </a:prstGeom>
         </p:spPr>
       </p:pic>
+      <p:pic>
+        <p:nvPicPr>
+          <p:cNvPr id="25" name="그림 24">
+            <a:extLst>
+              <a:ext uri="{FF2B5EF4-FFF2-40B4-BE49-F238E27FC236}">
+                <a16:creationId xmlns:a16="http://schemas.microsoft.com/office/drawing/2014/main" id="{E8C97B14-3F2E-4CCC-ADA9-E04ACB62D1CE}"/>
+              </a:ext>
+            </a:extLst>
+          </p:cNvPr>
+          <p:cNvPicPr>
+            <a:picLocks noChangeAspect="1"/>
+          </p:cNvPicPr>
+          <p:nvPr/>
+        </p:nvPicPr>
+        <p:blipFill>
+          <a:blip r:embed="rId7"/>
+          <a:stretch>
+            <a:fillRect/>
+          </a:stretch>
+        </p:blipFill>
+        <p:spPr>
+          <a:xfrm>
+            <a:off x="7552823" y="1422408"/>
+            <a:ext cx="2526467" cy="1758184"/>
+          </a:xfrm>
+          <a:prstGeom prst="rect">
+            <a:avLst/>
+          </a:prstGeom>
+        </p:spPr>
+      </p:pic>
+      <p:pic>
+        <p:nvPicPr>
+          <p:cNvPr id="40" name="그림 39">
+            <a:extLst>
+              <a:ext uri="{FF2B5EF4-FFF2-40B4-BE49-F238E27FC236}">
+                <a16:creationId xmlns:a16="http://schemas.microsoft.com/office/drawing/2014/main" id="{F8B035B1-D509-4927-999A-252E810E59D1}"/>
+              </a:ext>
+            </a:extLst>
+          </p:cNvPr>
+          <p:cNvPicPr>
+            <a:picLocks noChangeAspect="1"/>
+          </p:cNvPicPr>
+          <p:nvPr/>
+        </p:nvPicPr>
+        <p:blipFill>
+          <a:blip r:embed="rId8"/>
+          <a:stretch>
+            <a:fillRect/>
+          </a:stretch>
+        </p:blipFill>
+        <p:spPr>
+          <a:xfrm>
+            <a:off x="7552823" y="1105923"/>
+            <a:ext cx="1336011" cy="165206"/>
+          </a:xfrm>
+          <a:prstGeom prst="rect">
+            <a:avLst/>
+          </a:prstGeom>
+        </p:spPr>
+      </p:pic>
     </p:spTree>
     <p:extLst>
       <p:ext uri="{BB962C8B-B14F-4D97-AF65-F5344CB8AC3E}">

--- a/스프링 시큐리티.pptx
+++ b/스프링 시큐리티.pptx
@@ -229,7 +229,7 @@
             <a:fld id="{1DF3F4A2-0E57-4C17-80C9-0DADF022DFF7}" type="datetimeFigureOut">
               <a:rPr lang="ko-KR" altLang="en-US" smtClean="0"/>
               <a:pPr/>
-              <a:t>2022-04-10</a:t>
+              <a:t>2022-04-12</a:t>
             </a:fld>
             <a:endParaRPr lang="ko-KR" altLang="en-US"/>
           </a:p>
@@ -628,7 +628,7 @@
           <a:p>
             <a:fld id="{67524C88-55D3-4BDF-8EA6-671B88E3458B}" type="datetime1">
               <a:rPr lang="ko-KR" altLang="en-US" smtClean="0"/>
-              <a:t>2022-04-10</a:t>
+              <a:t>2022-04-12</a:t>
             </a:fld>
             <a:endParaRPr lang="ko-KR" altLang="en-US"/>
           </a:p>
@@ -724,7 +724,7 @@
           <a:p>
             <a:fld id="{07EEF2E2-9D0A-4494-BB0D-603E77C79F91}" type="datetime1">
               <a:rPr lang="ko-KR" altLang="en-US" smtClean="0"/>
-              <a:t>2022-04-10</a:t>
+              <a:t>2022-04-12</a:t>
             </a:fld>
             <a:endParaRPr lang="ko-KR" altLang="en-US"/>
           </a:p>
@@ -868,7 +868,7 @@
           <a:p>
             <a:fld id="{A4F3F21B-DFA0-4D48-BE1A-ADBF6BAE97F9}" type="datetime1">
               <a:rPr lang="ko-KR" altLang="en-US" smtClean="0"/>
-              <a:t>2022-04-10</a:t>
+              <a:t>2022-04-12</a:t>
             </a:fld>
             <a:endParaRPr lang="ko-KR" altLang="en-US"/>
           </a:p>
@@ -1228,7 +1228,7 @@
           <a:p>
             <a:fld id="{36AFC085-6523-4F50-ADD6-C952023DDF3A}" type="datetime1">
               <a:rPr lang="ko-KR" altLang="en-US" smtClean="0"/>
-              <a:t>2022-04-10</a:t>
+              <a:t>2022-04-12</a:t>
             </a:fld>
             <a:endParaRPr lang="ko-KR" altLang="en-US"/>
           </a:p>
@@ -1436,7 +1436,7 @@
           <a:p>
             <a:fld id="{30DF7938-C556-41E7-B76E-783E7A0ECE4C}" type="datetime1">
               <a:rPr lang="ko-KR" altLang="en-US" smtClean="0"/>
-              <a:t>2022-04-10</a:t>
+              <a:t>2022-04-12</a:t>
             </a:fld>
             <a:endParaRPr lang="ko-KR" altLang="en-US"/>
           </a:p>
@@ -1610,7 +1610,7 @@
           <a:p>
             <a:fld id="{1AD701CD-40E2-4753-8BCF-5831B17AADF1}" type="datetime1">
               <a:rPr lang="ko-KR" altLang="en-US" smtClean="0"/>
-              <a:t>2022-04-10</a:t>
+              <a:t>2022-04-12</a:t>
             </a:fld>
             <a:endParaRPr lang="ko-KR" altLang="en-US"/>
           </a:p>
@@ -1824,7 +1824,7 @@
           <a:p>
             <a:fld id="{359E1633-C8A7-401F-9431-5FF96D45B55E}" type="datetime1">
               <a:rPr lang="ko-KR" altLang="en-US" smtClean="0"/>
-              <a:t>2022-04-10</a:t>
+              <a:t>2022-04-12</a:t>
             </a:fld>
             <a:endParaRPr lang="ko-KR" altLang="en-US"/>
           </a:p>
